--- a/Results/Figures.pptx
+++ b/Results/Figures.pptx
@@ -7,6 +7,7 @@
   <p:sldIdLst>
     <p:sldId id="256" r:id="rId2"/>
     <p:sldId id="257" r:id="rId3"/>
+    <p:sldId id="258" r:id="rId4"/>
   </p:sldIdLst>
   <p:sldSz cx="12192000" cy="6858000"/>
   <p:notesSz cx="6858000" cy="9144000"/>
@@ -105,6 +106,11 @@
       </a:defRPr>
     </a:lvl9pPr>
   </p:defaultTextStyle>
+  <p:extLst>
+    <p:ext uri="{EFAFB233-063F-42B5-8137-9DF3F51BA10A}">
+      <p15:sldGuideLst xmlns:p15="http://schemas.microsoft.com/office/powerpoint/2012/main"/>
+    </p:ext>
+  </p:extLst>
 </p:presentation>
 </file>
 
@@ -257,7 +263,7 @@
           <a:p>
             <a:fld id="{672C290D-F670-429E-BCF7-AA65FA501237}" type="datetimeFigureOut">
               <a:rPr lang="es-MX" smtClean="0"/>
-              <a:t>29/08/2024</a:t>
+              <a:t>18/10/2024</a:t>
             </a:fld>
             <a:endParaRPr lang="es-MX"/>
           </a:p>
@@ -457,7 +463,7 @@
           <a:p>
             <a:fld id="{672C290D-F670-429E-BCF7-AA65FA501237}" type="datetimeFigureOut">
               <a:rPr lang="es-MX" smtClean="0"/>
-              <a:t>29/08/2024</a:t>
+              <a:t>18/10/2024</a:t>
             </a:fld>
             <a:endParaRPr lang="es-MX"/>
           </a:p>
@@ -667,7 +673,7 @@
           <a:p>
             <a:fld id="{672C290D-F670-429E-BCF7-AA65FA501237}" type="datetimeFigureOut">
               <a:rPr lang="es-MX" smtClean="0"/>
-              <a:t>29/08/2024</a:t>
+              <a:t>18/10/2024</a:t>
             </a:fld>
             <a:endParaRPr lang="es-MX"/>
           </a:p>
@@ -867,7 +873,7 @@
           <a:p>
             <a:fld id="{672C290D-F670-429E-BCF7-AA65FA501237}" type="datetimeFigureOut">
               <a:rPr lang="es-MX" smtClean="0"/>
-              <a:t>29/08/2024</a:t>
+              <a:t>18/10/2024</a:t>
             </a:fld>
             <a:endParaRPr lang="es-MX"/>
           </a:p>
@@ -1143,7 +1149,7 @@
           <a:p>
             <a:fld id="{672C290D-F670-429E-BCF7-AA65FA501237}" type="datetimeFigureOut">
               <a:rPr lang="es-MX" smtClean="0"/>
-              <a:t>29/08/2024</a:t>
+              <a:t>18/10/2024</a:t>
             </a:fld>
             <a:endParaRPr lang="es-MX"/>
           </a:p>
@@ -1411,7 +1417,7 @@
           <a:p>
             <a:fld id="{672C290D-F670-429E-BCF7-AA65FA501237}" type="datetimeFigureOut">
               <a:rPr lang="es-MX" smtClean="0"/>
-              <a:t>29/08/2024</a:t>
+              <a:t>18/10/2024</a:t>
             </a:fld>
             <a:endParaRPr lang="es-MX"/>
           </a:p>
@@ -1826,7 +1832,7 @@
           <a:p>
             <a:fld id="{672C290D-F670-429E-BCF7-AA65FA501237}" type="datetimeFigureOut">
               <a:rPr lang="es-MX" smtClean="0"/>
-              <a:t>29/08/2024</a:t>
+              <a:t>18/10/2024</a:t>
             </a:fld>
             <a:endParaRPr lang="es-MX"/>
           </a:p>
@@ -1968,7 +1974,7 @@
           <a:p>
             <a:fld id="{672C290D-F670-429E-BCF7-AA65FA501237}" type="datetimeFigureOut">
               <a:rPr lang="es-MX" smtClean="0"/>
-              <a:t>29/08/2024</a:t>
+              <a:t>18/10/2024</a:t>
             </a:fld>
             <a:endParaRPr lang="es-MX"/>
           </a:p>
@@ -2081,7 +2087,7 @@
           <a:p>
             <a:fld id="{672C290D-F670-429E-BCF7-AA65FA501237}" type="datetimeFigureOut">
               <a:rPr lang="es-MX" smtClean="0"/>
-              <a:t>29/08/2024</a:t>
+              <a:t>18/10/2024</a:t>
             </a:fld>
             <a:endParaRPr lang="es-MX"/>
           </a:p>
@@ -2394,7 +2400,7 @@
           <a:p>
             <a:fld id="{672C290D-F670-429E-BCF7-AA65FA501237}" type="datetimeFigureOut">
               <a:rPr lang="es-MX" smtClean="0"/>
-              <a:t>29/08/2024</a:t>
+              <a:t>18/10/2024</a:t>
             </a:fld>
             <a:endParaRPr lang="es-MX"/>
           </a:p>
@@ -2683,7 +2689,7 @@
           <a:p>
             <a:fld id="{672C290D-F670-429E-BCF7-AA65FA501237}" type="datetimeFigureOut">
               <a:rPr lang="es-MX" smtClean="0"/>
-              <a:t>29/08/2024</a:t>
+              <a:t>18/10/2024</a:t>
             </a:fld>
             <a:endParaRPr lang="es-MX"/>
           </a:p>
@@ -2926,7 +2932,7 @@
           <a:p>
             <a:fld id="{672C290D-F670-429E-BCF7-AA65FA501237}" type="datetimeFigureOut">
               <a:rPr lang="es-MX" smtClean="0"/>
-              <a:t>29/08/2024</a:t>
+              <a:t>18/10/2024</a:t>
             </a:fld>
             <a:endParaRPr lang="es-MX"/>
           </a:p>
@@ -3345,10 +3351,10 @@
       </p:grpSpPr>
       <p:pic>
         <p:nvPicPr>
-          <p:cNvPr id="1026" name="Picture 2">
-            <a:extLst>
-              <a:ext uri="{FF2B5EF4-FFF2-40B4-BE49-F238E27FC236}">
-                <a16:creationId xmlns:a16="http://schemas.microsoft.com/office/drawing/2014/main" id="{6B9FC120-D981-6544-5446-1CEBC794F077}"/>
+          <p:cNvPr id="2" name="Picture 2">
+            <a:extLst>
+              <a:ext uri="{FF2B5EF4-FFF2-40B4-BE49-F238E27FC236}">
+                <a16:creationId xmlns:a16="http://schemas.microsoft.com/office/drawing/2014/main" id="{CD383CB3-ED69-4F3A-3A48-2CD131BD6E64}"/>
               </a:ext>
             </a:extLst>
           </p:cNvPr>
@@ -3372,8 +3378,8 @@
         </p:blipFill>
         <p:spPr bwMode="auto">
           <a:xfrm>
-            <a:off x="876300" y="209550"/>
-            <a:ext cx="2926086" cy="2194564"/>
+            <a:off x="876306" y="285749"/>
+            <a:ext cx="2926080" cy="2194560"/>
           </a:xfrm>
           <a:prstGeom prst="rect">
             <a:avLst/>
@@ -3392,10 +3398,10 @@
       </p:pic>
       <p:pic>
         <p:nvPicPr>
-          <p:cNvPr id="1028" name="Picture 4">
-            <a:extLst>
-              <a:ext uri="{FF2B5EF4-FFF2-40B4-BE49-F238E27FC236}">
-                <a16:creationId xmlns:a16="http://schemas.microsoft.com/office/drawing/2014/main" id="{21354BD2-105C-E79F-E7C9-E7CD2FFBE320}"/>
+          <p:cNvPr id="5" name="Picture 8">
+            <a:extLst>
+              <a:ext uri="{FF2B5EF4-FFF2-40B4-BE49-F238E27FC236}">
+                <a16:creationId xmlns:a16="http://schemas.microsoft.com/office/drawing/2014/main" id="{8EF7AECD-D2C6-A16A-E34A-A7CAF289064D}"/>
               </a:ext>
             </a:extLst>
           </p:cNvPr>
@@ -3419,8 +3425,8 @@
         </p:blipFill>
         <p:spPr bwMode="auto">
           <a:xfrm>
-            <a:off x="876300" y="2480313"/>
-            <a:ext cx="2926086" cy="2194564"/>
+            <a:off x="4815329" y="285749"/>
+            <a:ext cx="2926080" cy="2194560"/>
           </a:xfrm>
           <a:prstGeom prst="rect">
             <a:avLst/>
@@ -3439,10 +3445,10 @@
       </p:pic>
       <p:pic>
         <p:nvPicPr>
-          <p:cNvPr id="1030" name="Picture 6">
-            <a:extLst>
-              <a:ext uri="{FF2B5EF4-FFF2-40B4-BE49-F238E27FC236}">
-                <a16:creationId xmlns:a16="http://schemas.microsoft.com/office/drawing/2014/main" id="{37CD9B23-C4B6-F716-3989-FBF55E2ABB37}"/>
+          <p:cNvPr id="9" name="Picture 16">
+            <a:extLst>
+              <a:ext uri="{FF2B5EF4-FFF2-40B4-BE49-F238E27FC236}">
+                <a16:creationId xmlns:a16="http://schemas.microsoft.com/office/drawing/2014/main" id="{991EC312-5170-6457-68AE-60CFF2F635F8}"/>
               </a:ext>
             </a:extLst>
           </p:cNvPr>
@@ -3466,8 +3472,8 @@
         </p:blipFill>
         <p:spPr bwMode="auto">
           <a:xfrm>
-            <a:off x="876300" y="4377687"/>
-            <a:ext cx="2926086" cy="2194564"/>
+            <a:off x="8754362" y="285749"/>
+            <a:ext cx="2926080" cy="2194560"/>
           </a:xfrm>
           <a:prstGeom prst="rect">
             <a:avLst/>
@@ -3486,10 +3492,10 @@
       </p:pic>
       <p:pic>
         <p:nvPicPr>
-          <p:cNvPr id="1032" name="Picture 8">
-            <a:extLst>
-              <a:ext uri="{FF2B5EF4-FFF2-40B4-BE49-F238E27FC236}">
-                <a16:creationId xmlns:a16="http://schemas.microsoft.com/office/drawing/2014/main" id="{2260207D-B64F-7CAE-591A-A36EE3E06F89}"/>
+          <p:cNvPr id="4" name="Picture 6">
+            <a:extLst>
+              <a:ext uri="{FF2B5EF4-FFF2-40B4-BE49-F238E27FC236}">
+                <a16:creationId xmlns:a16="http://schemas.microsoft.com/office/drawing/2014/main" id="{2162A8F7-FD36-1F29-E2D9-9AF1BE571707}"/>
               </a:ext>
             </a:extLst>
           </p:cNvPr>
@@ -3513,8 +3519,8 @@
         </p:blipFill>
         <p:spPr bwMode="auto">
           <a:xfrm>
-            <a:off x="4781550" y="209550"/>
-            <a:ext cx="2926086" cy="2194564"/>
+            <a:off x="876306" y="2480309"/>
+            <a:ext cx="2926080" cy="2194560"/>
           </a:xfrm>
           <a:prstGeom prst="rect">
             <a:avLst/>
@@ -3533,10 +3539,10 @@
       </p:pic>
       <p:pic>
         <p:nvPicPr>
-          <p:cNvPr id="1034" name="Picture 10">
-            <a:extLst>
-              <a:ext uri="{FF2B5EF4-FFF2-40B4-BE49-F238E27FC236}">
-                <a16:creationId xmlns:a16="http://schemas.microsoft.com/office/drawing/2014/main" id="{82DB7F67-58C5-A2A8-B96F-4BCC5C144FA4}"/>
+          <p:cNvPr id="7" name="Picture 12">
+            <a:extLst>
+              <a:ext uri="{FF2B5EF4-FFF2-40B4-BE49-F238E27FC236}">
+                <a16:creationId xmlns:a16="http://schemas.microsoft.com/office/drawing/2014/main" id="{53082730-4E54-3A37-067B-8F8BB4036E8F}"/>
               </a:ext>
             </a:extLst>
           </p:cNvPr>
@@ -3560,8 +3566,8 @@
         </p:blipFill>
         <p:spPr bwMode="auto">
           <a:xfrm>
-            <a:off x="4781550" y="2480313"/>
-            <a:ext cx="2926086" cy="2194564"/>
+            <a:off x="4815329" y="2281873"/>
+            <a:ext cx="2926080" cy="2194560"/>
           </a:xfrm>
           <a:prstGeom prst="rect">
             <a:avLst/>
@@ -3580,10 +3586,10 @@
       </p:pic>
       <p:pic>
         <p:nvPicPr>
-          <p:cNvPr id="1036" name="Picture 12">
-            <a:extLst>
-              <a:ext uri="{FF2B5EF4-FFF2-40B4-BE49-F238E27FC236}">
-                <a16:creationId xmlns:a16="http://schemas.microsoft.com/office/drawing/2014/main" id="{705A312C-30E6-79C3-FBF4-0D48D4C4A4FE}"/>
+          <p:cNvPr id="10" name="Picture 18">
+            <a:extLst>
+              <a:ext uri="{FF2B5EF4-FFF2-40B4-BE49-F238E27FC236}">
+                <a16:creationId xmlns:a16="http://schemas.microsoft.com/office/drawing/2014/main" id="{51CE040F-B135-F9FC-BBF4-E04A34609FF5}"/>
               </a:ext>
             </a:extLst>
           </p:cNvPr>
@@ -3607,8 +3613,8 @@
         </p:blipFill>
         <p:spPr bwMode="auto">
           <a:xfrm>
-            <a:off x="4781550" y="4377687"/>
-            <a:ext cx="2926086" cy="2194564"/>
+            <a:off x="8754362" y="2480309"/>
+            <a:ext cx="2926080" cy="2194560"/>
           </a:xfrm>
           <a:prstGeom prst="rect">
             <a:avLst/>
@@ -3627,10 +3633,10 @@
       </p:pic>
       <p:pic>
         <p:nvPicPr>
-          <p:cNvPr id="1038" name="Picture 14">
-            <a:extLst>
-              <a:ext uri="{FF2B5EF4-FFF2-40B4-BE49-F238E27FC236}">
-                <a16:creationId xmlns:a16="http://schemas.microsoft.com/office/drawing/2014/main" id="{281640AC-F998-A8BB-7092-73EB6FFA85D0}"/>
+          <p:cNvPr id="3" name="Picture 4">
+            <a:extLst>
+              <a:ext uri="{FF2B5EF4-FFF2-40B4-BE49-F238E27FC236}">
+                <a16:creationId xmlns:a16="http://schemas.microsoft.com/office/drawing/2014/main" id="{1278B0F9-5353-C288-7E03-62D2B1B2A8FF}"/>
               </a:ext>
             </a:extLst>
           </p:cNvPr>
@@ -3654,8 +3660,8 @@
         </p:blipFill>
         <p:spPr bwMode="auto">
           <a:xfrm>
-            <a:off x="8754359" y="209550"/>
-            <a:ext cx="2926086" cy="2194564"/>
+            <a:off x="876306" y="4476433"/>
+            <a:ext cx="2926080" cy="2194560"/>
           </a:xfrm>
           <a:prstGeom prst="rect">
             <a:avLst/>
@@ -3674,10 +3680,10 @@
       </p:pic>
       <p:pic>
         <p:nvPicPr>
-          <p:cNvPr id="1040" name="Picture 16">
-            <a:extLst>
-              <a:ext uri="{FF2B5EF4-FFF2-40B4-BE49-F238E27FC236}">
-                <a16:creationId xmlns:a16="http://schemas.microsoft.com/office/drawing/2014/main" id="{90FB3D39-AA20-370E-2290-152913058EAE}"/>
+          <p:cNvPr id="8" name="Picture 14">
+            <a:extLst>
+              <a:ext uri="{FF2B5EF4-FFF2-40B4-BE49-F238E27FC236}">
+                <a16:creationId xmlns:a16="http://schemas.microsoft.com/office/drawing/2014/main" id="{54FD841E-2183-6CF9-1F05-B3E5C3B994AA}"/>
               </a:ext>
             </a:extLst>
           </p:cNvPr>
@@ -3701,8 +3707,8 @@
         </p:blipFill>
         <p:spPr bwMode="auto">
           <a:xfrm>
-            <a:off x="8754359" y="2480313"/>
-            <a:ext cx="2926086" cy="2194564"/>
+            <a:off x="4815329" y="4476433"/>
+            <a:ext cx="2926080" cy="2194560"/>
           </a:xfrm>
           <a:prstGeom prst="rect">
             <a:avLst/>
@@ -3721,10 +3727,10 @@
       </p:pic>
       <p:pic>
         <p:nvPicPr>
-          <p:cNvPr id="1042" name="Picture 18">
-            <a:extLst>
-              <a:ext uri="{FF2B5EF4-FFF2-40B4-BE49-F238E27FC236}">
-                <a16:creationId xmlns:a16="http://schemas.microsoft.com/office/drawing/2014/main" id="{778A1E11-2648-F9AC-69F1-ABD49041D631}"/>
+          <p:cNvPr id="1044" name="Picture 20">
+            <a:extLst>
+              <a:ext uri="{FF2B5EF4-FFF2-40B4-BE49-F238E27FC236}">
+                <a16:creationId xmlns:a16="http://schemas.microsoft.com/office/drawing/2014/main" id="{D17C093E-BA03-559E-99FD-7C6485585973}"/>
               </a:ext>
             </a:extLst>
           </p:cNvPr>
@@ -3748,8 +3754,8 @@
         </p:blipFill>
         <p:spPr bwMode="auto">
           <a:xfrm>
-            <a:off x="8754359" y="4377687"/>
-            <a:ext cx="2926086" cy="2194564"/>
+            <a:off x="8754362" y="4476433"/>
+            <a:ext cx="2926080" cy="2194560"/>
           </a:xfrm>
           <a:prstGeom prst="rect">
             <a:avLst/>
@@ -3798,10 +3804,10 @@
       </p:grpSpPr>
       <p:pic>
         <p:nvPicPr>
-          <p:cNvPr id="2050" name="Picture 2">
-            <a:extLst>
-              <a:ext uri="{FF2B5EF4-FFF2-40B4-BE49-F238E27FC236}">
-                <a16:creationId xmlns:a16="http://schemas.microsoft.com/office/drawing/2014/main" id="{8ACC62AC-925D-6782-7AE8-4EE5184A2E7E}"/>
+          <p:cNvPr id="2" name="Picture 2">
+            <a:extLst>
+              <a:ext uri="{FF2B5EF4-FFF2-40B4-BE49-F238E27FC236}">
+                <a16:creationId xmlns:a16="http://schemas.microsoft.com/office/drawing/2014/main" id="{E332E8D4-CCBE-EDAF-CA00-A287DA3C3277}"/>
               </a:ext>
             </a:extLst>
           </p:cNvPr>
@@ -3825,8 +3831,55 @@
         </p:blipFill>
         <p:spPr bwMode="auto">
           <a:xfrm>
-            <a:off x="1524000" y="0"/>
-            <a:ext cx="9144000" cy="6858000"/>
+            <a:off x="6600825" y="1219200"/>
+            <a:ext cx="4876800" cy="3657600"/>
+          </a:xfrm>
+          <a:prstGeom prst="rect">
+            <a:avLst/>
+          </a:prstGeom>
+          <a:noFill/>
+          <a:extLst>
+            <a:ext uri="{909E8E84-426E-40DD-AFC4-6F175D3DCCD1}">
+              <a14:hiddenFill xmlns:a14="http://schemas.microsoft.com/office/drawing/2010/main">
+                <a:solidFill>
+                  <a:srgbClr val="FFFFFF"/>
+                </a:solidFill>
+              </a14:hiddenFill>
+            </a:ext>
+          </a:extLst>
+        </p:spPr>
+      </p:pic>
+      <p:pic>
+        <p:nvPicPr>
+          <p:cNvPr id="2052" name="Picture 4">
+            <a:extLst>
+              <a:ext uri="{FF2B5EF4-FFF2-40B4-BE49-F238E27FC236}">
+                <a16:creationId xmlns:a16="http://schemas.microsoft.com/office/drawing/2014/main" id="{D7029D99-2191-FC21-F4B1-F23A9A6E9927}"/>
+              </a:ext>
+            </a:extLst>
+          </p:cNvPr>
+          <p:cNvPicPr>
+            <a:picLocks noChangeAspect="1" noChangeArrowheads="1"/>
+          </p:cNvPicPr>
+          <p:nvPr/>
+        </p:nvPicPr>
+        <p:blipFill>
+          <a:blip r:embed="rId3">
+            <a:extLst>
+              <a:ext uri="{28A0092B-C50C-407E-A947-70E740481C1C}">
+                <a14:useLocalDpi xmlns:a14="http://schemas.microsoft.com/office/drawing/2010/main" val="0"/>
+              </a:ext>
+            </a:extLst>
+          </a:blip>
+          <a:srcRect/>
+          <a:stretch>
+            <a:fillRect/>
+          </a:stretch>
+        </p:blipFill>
+        <p:spPr bwMode="auto">
+          <a:xfrm>
+            <a:off x="1285875" y="1219200"/>
+            <a:ext cx="4876800" cy="3657600"/>
           </a:xfrm>
           <a:prstGeom prst="rect">
             <a:avLst/>
@@ -3847,6 +3900,85 @@
     <p:extLst>
       <p:ext uri="{BB962C8B-B14F-4D97-AF65-F5344CB8AC3E}">
         <p14:creationId xmlns:p14="http://schemas.microsoft.com/office/powerpoint/2010/main" val="100833649"/>
+      </p:ext>
+    </p:extLst>
+  </p:cSld>
+  <p:clrMapOvr>
+    <a:masterClrMapping/>
+  </p:clrMapOvr>
+</p:sld>
+</file>
+
+<file path=ppt/slides/slide3.xml><?xml version="1.0" encoding="utf-8"?>
+<p:sld xmlns:a="http://schemas.openxmlformats.org/drawingml/2006/main" xmlns:r="http://schemas.openxmlformats.org/officeDocument/2006/relationships" xmlns:p="http://schemas.openxmlformats.org/presentationml/2006/main">
+  <p:cSld>
+    <p:spTree>
+      <p:nvGrpSpPr>
+        <p:cNvPr id="1" name=""/>
+        <p:cNvGrpSpPr/>
+        <p:nvPr/>
+      </p:nvGrpSpPr>
+      <p:grpSpPr>
+        <a:xfrm>
+          <a:off x="0" y="0"/>
+          <a:ext cx="0" cy="0"/>
+          <a:chOff x="0" y="0"/>
+          <a:chExt cx="0" cy="0"/>
+        </a:xfrm>
+      </p:grpSpPr>
+      <p:pic>
+        <p:nvPicPr>
+          <p:cNvPr id="3074" name="Picture 2">
+            <a:extLst>
+              <a:ext uri="{FF2B5EF4-FFF2-40B4-BE49-F238E27FC236}">
+                <a16:creationId xmlns:a16="http://schemas.microsoft.com/office/drawing/2014/main" id="{DE7142C5-64D1-E3E4-978F-CE55834D9289}"/>
+              </a:ext>
+            </a:extLst>
+          </p:cNvPr>
+          <p:cNvPicPr>
+            <a:picLocks noGrp="1" noChangeAspect="1" noChangeArrowheads="1"/>
+          </p:cNvPicPr>
+          <p:nvPr>
+            <p:ph idx="1"/>
+          </p:nvPr>
+        </p:nvPicPr>
+        <p:blipFill>
+          <a:blip r:embed="rId2">
+            <a:extLst>
+              <a:ext uri="{28A0092B-C50C-407E-A947-70E740481C1C}">
+                <a14:useLocalDpi xmlns:a14="http://schemas.microsoft.com/office/drawing/2010/main" val="0"/>
+              </a:ext>
+            </a:extLst>
+          </a:blip>
+          <a:srcRect/>
+          <a:stretch>
+            <a:fillRect/>
+          </a:stretch>
+        </p:blipFill>
+        <p:spPr bwMode="auto">
+          <a:xfrm>
+            <a:off x="2175933" y="511175"/>
+            <a:ext cx="7315200" cy="5486400"/>
+          </a:xfrm>
+          <a:prstGeom prst="rect">
+            <a:avLst/>
+          </a:prstGeom>
+          <a:noFill/>
+          <a:extLst>
+            <a:ext uri="{909E8E84-426E-40DD-AFC4-6F175D3DCCD1}">
+              <a14:hiddenFill xmlns:a14="http://schemas.microsoft.com/office/drawing/2010/main">
+                <a:solidFill>
+                  <a:srgbClr val="FFFFFF"/>
+                </a:solidFill>
+              </a14:hiddenFill>
+            </a:ext>
+          </a:extLst>
+        </p:spPr>
+      </p:pic>
+    </p:spTree>
+    <p:extLst>
+      <p:ext uri="{BB962C8B-B14F-4D97-AF65-F5344CB8AC3E}">
+        <p14:creationId xmlns:p14="http://schemas.microsoft.com/office/powerpoint/2010/main" val="1078234058"/>
       </p:ext>
     </p:extLst>
   </p:cSld>
